--- a/ppt 16-9/0834.信徒经试炼.pptx
+++ b/ppt 16-9/0834.信徒经试炼.pptx
@@ -129,7 +129,7 @@
           <p:cNvPr id="2" name="标题 1">
             <a:extLst>
               <a:ext uri="{FF2B5EF4-FFF2-40B4-BE49-F238E27FC236}">
-                <a16:creationId xmlns:a16="http://schemas.microsoft.com/office/drawing/2014/main" id="{EC7CE8B6-ACBB-1755-2AB3-5646B0930E6D}"/>
+                <a16:creationId xmlns:a16="http://schemas.microsoft.com/office/drawing/2014/main" id="{556C8335-3D04-1EA7-98B8-5A94CAFF31A3}"/>
               </a:ext>
             </a:extLst>
           </p:cNvPr>
@@ -166,7 +166,7 @@
           <p:cNvPr id="3" name="副标题 2">
             <a:extLst>
               <a:ext uri="{FF2B5EF4-FFF2-40B4-BE49-F238E27FC236}">
-                <a16:creationId xmlns:a16="http://schemas.microsoft.com/office/drawing/2014/main" id="{CB867517-D357-1B5E-61BB-72E4D4A0982F}"/>
+                <a16:creationId xmlns:a16="http://schemas.microsoft.com/office/drawing/2014/main" id="{58DA69C6-B8A2-8DB2-F593-46CAFC3B7261}"/>
               </a:ext>
             </a:extLst>
           </p:cNvPr>
@@ -236,7 +236,7 @@
           <p:cNvPr id="4" name="日期占位符 3">
             <a:extLst>
               <a:ext uri="{FF2B5EF4-FFF2-40B4-BE49-F238E27FC236}">
-                <a16:creationId xmlns:a16="http://schemas.microsoft.com/office/drawing/2014/main" id="{6FF1475A-B3CB-D42E-92AD-B60B7366AEA0}"/>
+                <a16:creationId xmlns:a16="http://schemas.microsoft.com/office/drawing/2014/main" id="{BDAE0CFC-1CBC-2909-4ED8-89BC1588CB79}"/>
               </a:ext>
             </a:extLst>
           </p:cNvPr>
@@ -252,7 +252,7 @@
           <a:bodyPr/>
           <a:lstStyle/>
           <a:p>
-            <a:fld id="{8FA860F8-76B7-4D9F-91D6-57F3CE0533EA}" type="datetimeFigureOut">
+            <a:fld id="{1F33F0B7-7744-4A5A-B5D7-6551044A063C}" type="datetimeFigureOut">
               <a:rPr lang="zh-CN" altLang="en-US" smtClean="0"/>
               <a:t>2024/3/10</a:t>
             </a:fld>
@@ -265,7 +265,7 @@
           <p:cNvPr id="5" name="页脚占位符 4">
             <a:extLst>
               <a:ext uri="{FF2B5EF4-FFF2-40B4-BE49-F238E27FC236}">
-                <a16:creationId xmlns:a16="http://schemas.microsoft.com/office/drawing/2014/main" id="{ADD8548A-F0F0-4D85-A894-86999B1957F6}"/>
+                <a16:creationId xmlns:a16="http://schemas.microsoft.com/office/drawing/2014/main" id="{66C2CEAD-8542-09D8-6BA9-9AA323E3259F}"/>
               </a:ext>
             </a:extLst>
           </p:cNvPr>
@@ -290,7 +290,7 @@
           <p:cNvPr id="6" name="灯片编号占位符 5">
             <a:extLst>
               <a:ext uri="{FF2B5EF4-FFF2-40B4-BE49-F238E27FC236}">
-                <a16:creationId xmlns:a16="http://schemas.microsoft.com/office/drawing/2014/main" id="{92DAF900-9869-947C-882A-9FE5917F0364}"/>
+                <a16:creationId xmlns:a16="http://schemas.microsoft.com/office/drawing/2014/main" id="{A5ED535D-6967-FCC0-0579-35E392220BC8}"/>
               </a:ext>
             </a:extLst>
           </p:cNvPr>
@@ -306,7 +306,7 @@
           <a:bodyPr/>
           <a:lstStyle/>
           <a:p>
-            <a:fld id="{712F3731-4A84-4A9D-8B97-9579D48385A0}" type="slidenum">
+            <a:fld id="{F125B06E-E96D-45CD-98A6-F8DE3EC1F2E1}" type="slidenum">
               <a:rPr lang="zh-CN" altLang="en-US" smtClean="0"/>
               <a:t>‹#›</a:t>
             </a:fld>
@@ -317,7 +317,7 @@
     </p:spTree>
     <p:extLst>
       <p:ext uri="{BB962C8B-B14F-4D97-AF65-F5344CB8AC3E}">
-        <p14:creationId xmlns:p14="http://schemas.microsoft.com/office/powerpoint/2010/main" val="192775206"/>
+        <p14:creationId xmlns:p14="http://schemas.microsoft.com/office/powerpoint/2010/main" val="232024362"/>
       </p:ext>
     </p:extLst>
   </p:cSld>
@@ -349,7 +349,7 @@
           <p:cNvPr id="2" name="标题 1">
             <a:extLst>
               <a:ext uri="{FF2B5EF4-FFF2-40B4-BE49-F238E27FC236}">
-                <a16:creationId xmlns:a16="http://schemas.microsoft.com/office/drawing/2014/main" id="{F89AE94F-5CE3-6DA8-C323-BDF6420180AD}"/>
+                <a16:creationId xmlns:a16="http://schemas.microsoft.com/office/drawing/2014/main" id="{59EDAD51-10C7-376C-BB64-AF09ED618113}"/>
               </a:ext>
             </a:extLst>
           </p:cNvPr>
@@ -377,7 +377,7 @@
           <p:cNvPr id="3" name="竖排文字占位符 2">
             <a:extLst>
               <a:ext uri="{FF2B5EF4-FFF2-40B4-BE49-F238E27FC236}">
-                <a16:creationId xmlns:a16="http://schemas.microsoft.com/office/drawing/2014/main" id="{BEAC7CE4-9353-F0F6-1C53-4B164E8BA42D}"/>
+                <a16:creationId xmlns:a16="http://schemas.microsoft.com/office/drawing/2014/main" id="{EF1B1BC8-50BC-FA58-6AB5-2B424F472327}"/>
               </a:ext>
             </a:extLst>
           </p:cNvPr>
@@ -434,7 +434,7 @@
           <p:cNvPr id="4" name="日期占位符 3">
             <a:extLst>
               <a:ext uri="{FF2B5EF4-FFF2-40B4-BE49-F238E27FC236}">
-                <a16:creationId xmlns:a16="http://schemas.microsoft.com/office/drawing/2014/main" id="{1F15F5C3-6F20-5C25-D6E2-9B7FFEB9E64D}"/>
+                <a16:creationId xmlns:a16="http://schemas.microsoft.com/office/drawing/2014/main" id="{DEF96631-3BC1-D139-4A02-43401ECCF119}"/>
               </a:ext>
             </a:extLst>
           </p:cNvPr>
@@ -450,7 +450,7 @@
           <a:bodyPr/>
           <a:lstStyle/>
           <a:p>
-            <a:fld id="{8FA860F8-76B7-4D9F-91D6-57F3CE0533EA}" type="datetimeFigureOut">
+            <a:fld id="{1F33F0B7-7744-4A5A-B5D7-6551044A063C}" type="datetimeFigureOut">
               <a:rPr lang="zh-CN" altLang="en-US" smtClean="0"/>
               <a:t>2024/3/10</a:t>
             </a:fld>
@@ -463,7 +463,7 @@
           <p:cNvPr id="5" name="页脚占位符 4">
             <a:extLst>
               <a:ext uri="{FF2B5EF4-FFF2-40B4-BE49-F238E27FC236}">
-                <a16:creationId xmlns:a16="http://schemas.microsoft.com/office/drawing/2014/main" id="{EBD066F9-08C3-2737-6DEE-7C31C8A0D129}"/>
+                <a16:creationId xmlns:a16="http://schemas.microsoft.com/office/drawing/2014/main" id="{85D4E433-0ECF-23F2-A70E-01E9DE92EE21}"/>
               </a:ext>
             </a:extLst>
           </p:cNvPr>
@@ -488,7 +488,7 @@
           <p:cNvPr id="6" name="灯片编号占位符 5">
             <a:extLst>
               <a:ext uri="{FF2B5EF4-FFF2-40B4-BE49-F238E27FC236}">
-                <a16:creationId xmlns:a16="http://schemas.microsoft.com/office/drawing/2014/main" id="{D3675754-6A1B-50BE-30D7-4CFE50DDA1D9}"/>
+                <a16:creationId xmlns:a16="http://schemas.microsoft.com/office/drawing/2014/main" id="{CE1A2260-149D-9FD8-7A74-CDC943A8A2E1}"/>
               </a:ext>
             </a:extLst>
           </p:cNvPr>
@@ -504,7 +504,7 @@
           <a:bodyPr/>
           <a:lstStyle/>
           <a:p>
-            <a:fld id="{712F3731-4A84-4A9D-8B97-9579D48385A0}" type="slidenum">
+            <a:fld id="{F125B06E-E96D-45CD-98A6-F8DE3EC1F2E1}" type="slidenum">
               <a:rPr lang="zh-CN" altLang="en-US" smtClean="0"/>
               <a:t>‹#›</a:t>
             </a:fld>
@@ -515,7 +515,7 @@
     </p:spTree>
     <p:extLst>
       <p:ext uri="{BB962C8B-B14F-4D97-AF65-F5344CB8AC3E}">
-        <p14:creationId xmlns:p14="http://schemas.microsoft.com/office/powerpoint/2010/main" val="1610949730"/>
+        <p14:creationId xmlns:p14="http://schemas.microsoft.com/office/powerpoint/2010/main" val="900365762"/>
       </p:ext>
     </p:extLst>
   </p:cSld>
@@ -547,7 +547,7 @@
           <p:cNvPr id="2" name="竖排标题 1">
             <a:extLst>
               <a:ext uri="{FF2B5EF4-FFF2-40B4-BE49-F238E27FC236}">
-                <a16:creationId xmlns:a16="http://schemas.microsoft.com/office/drawing/2014/main" id="{B3DE93A4-1D44-A571-4AAC-253CD4940B26}"/>
+                <a16:creationId xmlns:a16="http://schemas.microsoft.com/office/drawing/2014/main" id="{D0B42325-B5C6-4236-F24B-DD4805F73FF8}"/>
               </a:ext>
             </a:extLst>
           </p:cNvPr>
@@ -580,7 +580,7 @@
           <p:cNvPr id="3" name="竖排文字占位符 2">
             <a:extLst>
               <a:ext uri="{FF2B5EF4-FFF2-40B4-BE49-F238E27FC236}">
-                <a16:creationId xmlns:a16="http://schemas.microsoft.com/office/drawing/2014/main" id="{E4A0519F-2EAB-4894-391C-70FA71AD9783}"/>
+                <a16:creationId xmlns:a16="http://schemas.microsoft.com/office/drawing/2014/main" id="{08389E1C-E4CC-0743-91D0-558EBDD3C77E}"/>
               </a:ext>
             </a:extLst>
           </p:cNvPr>
@@ -642,7 +642,7 @@
           <p:cNvPr id="4" name="日期占位符 3">
             <a:extLst>
               <a:ext uri="{FF2B5EF4-FFF2-40B4-BE49-F238E27FC236}">
-                <a16:creationId xmlns:a16="http://schemas.microsoft.com/office/drawing/2014/main" id="{3DE8AEB1-15F5-E240-3429-E7570B0421C2}"/>
+                <a16:creationId xmlns:a16="http://schemas.microsoft.com/office/drawing/2014/main" id="{8EDD319C-BF3F-E38F-DDB1-FB9A274A5F95}"/>
               </a:ext>
             </a:extLst>
           </p:cNvPr>
@@ -658,7 +658,7 @@
           <a:bodyPr/>
           <a:lstStyle/>
           <a:p>
-            <a:fld id="{8FA860F8-76B7-4D9F-91D6-57F3CE0533EA}" type="datetimeFigureOut">
+            <a:fld id="{1F33F0B7-7744-4A5A-B5D7-6551044A063C}" type="datetimeFigureOut">
               <a:rPr lang="zh-CN" altLang="en-US" smtClean="0"/>
               <a:t>2024/3/10</a:t>
             </a:fld>
@@ -671,7 +671,7 @@
           <p:cNvPr id="5" name="页脚占位符 4">
             <a:extLst>
               <a:ext uri="{FF2B5EF4-FFF2-40B4-BE49-F238E27FC236}">
-                <a16:creationId xmlns:a16="http://schemas.microsoft.com/office/drawing/2014/main" id="{CF000AE3-1158-30F7-2DCA-2A82DA5053F3}"/>
+                <a16:creationId xmlns:a16="http://schemas.microsoft.com/office/drawing/2014/main" id="{E2256E3A-F6C3-DA7A-EB01-D91536E76CC8}"/>
               </a:ext>
             </a:extLst>
           </p:cNvPr>
@@ -696,7 +696,7 @@
           <p:cNvPr id="6" name="灯片编号占位符 5">
             <a:extLst>
               <a:ext uri="{FF2B5EF4-FFF2-40B4-BE49-F238E27FC236}">
-                <a16:creationId xmlns:a16="http://schemas.microsoft.com/office/drawing/2014/main" id="{EA43AB6D-C8C1-DED8-7959-B82EC4CFFEC7}"/>
+                <a16:creationId xmlns:a16="http://schemas.microsoft.com/office/drawing/2014/main" id="{428A9CCD-76B6-11A7-8E94-D094BADE5BCD}"/>
               </a:ext>
             </a:extLst>
           </p:cNvPr>
@@ -712,7 +712,7 @@
           <a:bodyPr/>
           <a:lstStyle/>
           <a:p>
-            <a:fld id="{712F3731-4A84-4A9D-8B97-9579D48385A0}" type="slidenum">
+            <a:fld id="{F125B06E-E96D-45CD-98A6-F8DE3EC1F2E1}" type="slidenum">
               <a:rPr lang="zh-CN" altLang="en-US" smtClean="0"/>
               <a:t>‹#›</a:t>
             </a:fld>
@@ -723,7 +723,7 @@
     </p:spTree>
     <p:extLst>
       <p:ext uri="{BB962C8B-B14F-4D97-AF65-F5344CB8AC3E}">
-        <p14:creationId xmlns:p14="http://schemas.microsoft.com/office/powerpoint/2010/main" val="3967056891"/>
+        <p14:creationId xmlns:p14="http://schemas.microsoft.com/office/powerpoint/2010/main" val="2312572096"/>
       </p:ext>
     </p:extLst>
   </p:cSld>
@@ -755,7 +755,7 @@
           <p:cNvPr id="2" name="标题 1">
             <a:extLst>
               <a:ext uri="{FF2B5EF4-FFF2-40B4-BE49-F238E27FC236}">
-                <a16:creationId xmlns:a16="http://schemas.microsoft.com/office/drawing/2014/main" id="{71DBB096-0D33-5A11-876F-6DB155D92ABD}"/>
+                <a16:creationId xmlns:a16="http://schemas.microsoft.com/office/drawing/2014/main" id="{7574087B-DB7E-D131-E043-EB890A177B15}"/>
               </a:ext>
             </a:extLst>
           </p:cNvPr>
@@ -783,7 +783,7 @@
           <p:cNvPr id="3" name="内容占位符 2">
             <a:extLst>
               <a:ext uri="{FF2B5EF4-FFF2-40B4-BE49-F238E27FC236}">
-                <a16:creationId xmlns:a16="http://schemas.microsoft.com/office/drawing/2014/main" id="{17EF7C91-55C9-360C-813A-2341B677E9D7}"/>
+                <a16:creationId xmlns:a16="http://schemas.microsoft.com/office/drawing/2014/main" id="{8100ECBB-AED8-A8DE-213A-9F1D0EA4C341}"/>
               </a:ext>
             </a:extLst>
           </p:cNvPr>
@@ -840,7 +840,7 @@
           <p:cNvPr id="4" name="日期占位符 3">
             <a:extLst>
               <a:ext uri="{FF2B5EF4-FFF2-40B4-BE49-F238E27FC236}">
-                <a16:creationId xmlns:a16="http://schemas.microsoft.com/office/drawing/2014/main" id="{4A315707-E6F1-EF98-24E5-8F9503FB48C3}"/>
+                <a16:creationId xmlns:a16="http://schemas.microsoft.com/office/drawing/2014/main" id="{AD9EBE05-686F-8D74-E54E-9A2EF421D729}"/>
               </a:ext>
             </a:extLst>
           </p:cNvPr>
@@ -856,7 +856,7 @@
           <a:bodyPr/>
           <a:lstStyle/>
           <a:p>
-            <a:fld id="{8FA860F8-76B7-4D9F-91D6-57F3CE0533EA}" type="datetimeFigureOut">
+            <a:fld id="{1F33F0B7-7744-4A5A-B5D7-6551044A063C}" type="datetimeFigureOut">
               <a:rPr lang="zh-CN" altLang="en-US" smtClean="0"/>
               <a:t>2024/3/10</a:t>
             </a:fld>
@@ -869,7 +869,7 @@
           <p:cNvPr id="5" name="页脚占位符 4">
             <a:extLst>
               <a:ext uri="{FF2B5EF4-FFF2-40B4-BE49-F238E27FC236}">
-                <a16:creationId xmlns:a16="http://schemas.microsoft.com/office/drawing/2014/main" id="{760C927A-6243-E717-AF34-76034BD671D3}"/>
+                <a16:creationId xmlns:a16="http://schemas.microsoft.com/office/drawing/2014/main" id="{74E78BF4-A77F-A6B1-56A0-6691F307CC26}"/>
               </a:ext>
             </a:extLst>
           </p:cNvPr>
@@ -894,7 +894,7 @@
           <p:cNvPr id="6" name="灯片编号占位符 5">
             <a:extLst>
               <a:ext uri="{FF2B5EF4-FFF2-40B4-BE49-F238E27FC236}">
-                <a16:creationId xmlns:a16="http://schemas.microsoft.com/office/drawing/2014/main" id="{B10C8217-3BAE-E576-F7CD-D8F3FB07B41C}"/>
+                <a16:creationId xmlns:a16="http://schemas.microsoft.com/office/drawing/2014/main" id="{A661F91E-0BD0-241B-CFA0-39155E25B501}"/>
               </a:ext>
             </a:extLst>
           </p:cNvPr>
@@ -910,7 +910,7 @@
           <a:bodyPr/>
           <a:lstStyle/>
           <a:p>
-            <a:fld id="{712F3731-4A84-4A9D-8B97-9579D48385A0}" type="slidenum">
+            <a:fld id="{F125B06E-E96D-45CD-98A6-F8DE3EC1F2E1}" type="slidenum">
               <a:rPr lang="zh-CN" altLang="en-US" smtClean="0"/>
               <a:t>‹#›</a:t>
             </a:fld>
@@ -921,7 +921,7 @@
     </p:spTree>
     <p:extLst>
       <p:ext uri="{BB962C8B-B14F-4D97-AF65-F5344CB8AC3E}">
-        <p14:creationId xmlns:p14="http://schemas.microsoft.com/office/powerpoint/2010/main" val="2576880857"/>
+        <p14:creationId xmlns:p14="http://schemas.microsoft.com/office/powerpoint/2010/main" val="2461049806"/>
       </p:ext>
     </p:extLst>
   </p:cSld>
@@ -953,7 +953,7 @@
           <p:cNvPr id="2" name="标题 1">
             <a:extLst>
               <a:ext uri="{FF2B5EF4-FFF2-40B4-BE49-F238E27FC236}">
-                <a16:creationId xmlns:a16="http://schemas.microsoft.com/office/drawing/2014/main" id="{B196F6E6-03B5-3319-0B82-CDD790D903EA}"/>
+                <a16:creationId xmlns:a16="http://schemas.microsoft.com/office/drawing/2014/main" id="{023AAAD7-E03A-C64D-287D-2F3514A8B1F5}"/>
               </a:ext>
             </a:extLst>
           </p:cNvPr>
@@ -990,7 +990,7 @@
           <p:cNvPr id="3" name="文本占位符 2">
             <a:extLst>
               <a:ext uri="{FF2B5EF4-FFF2-40B4-BE49-F238E27FC236}">
-                <a16:creationId xmlns:a16="http://schemas.microsoft.com/office/drawing/2014/main" id="{3C1C1875-225D-C911-ED82-B534A7E0B377}"/>
+                <a16:creationId xmlns:a16="http://schemas.microsoft.com/office/drawing/2014/main" id="{46B458A9-8EAE-6771-DF25-978800429ACF}"/>
               </a:ext>
             </a:extLst>
           </p:cNvPr>
@@ -1115,7 +1115,7 @@
           <p:cNvPr id="4" name="日期占位符 3">
             <a:extLst>
               <a:ext uri="{FF2B5EF4-FFF2-40B4-BE49-F238E27FC236}">
-                <a16:creationId xmlns:a16="http://schemas.microsoft.com/office/drawing/2014/main" id="{A9693A0B-FD68-ADB4-672F-AAA15239EE62}"/>
+                <a16:creationId xmlns:a16="http://schemas.microsoft.com/office/drawing/2014/main" id="{10CC7B8B-D5A7-91EE-0155-5C9E1C368517}"/>
               </a:ext>
             </a:extLst>
           </p:cNvPr>
@@ -1131,7 +1131,7 @@
           <a:bodyPr/>
           <a:lstStyle/>
           <a:p>
-            <a:fld id="{8FA860F8-76B7-4D9F-91D6-57F3CE0533EA}" type="datetimeFigureOut">
+            <a:fld id="{1F33F0B7-7744-4A5A-B5D7-6551044A063C}" type="datetimeFigureOut">
               <a:rPr lang="zh-CN" altLang="en-US" smtClean="0"/>
               <a:t>2024/3/10</a:t>
             </a:fld>
@@ -1144,7 +1144,7 @@
           <p:cNvPr id="5" name="页脚占位符 4">
             <a:extLst>
               <a:ext uri="{FF2B5EF4-FFF2-40B4-BE49-F238E27FC236}">
-                <a16:creationId xmlns:a16="http://schemas.microsoft.com/office/drawing/2014/main" id="{0B9AA2A0-CD96-1292-C6D8-C44CCF7839E7}"/>
+                <a16:creationId xmlns:a16="http://schemas.microsoft.com/office/drawing/2014/main" id="{1B5DBDD5-4313-5378-C3A4-7D44DD9FAA99}"/>
               </a:ext>
             </a:extLst>
           </p:cNvPr>
@@ -1169,7 +1169,7 @@
           <p:cNvPr id="6" name="灯片编号占位符 5">
             <a:extLst>
               <a:ext uri="{FF2B5EF4-FFF2-40B4-BE49-F238E27FC236}">
-                <a16:creationId xmlns:a16="http://schemas.microsoft.com/office/drawing/2014/main" id="{AC6C7AB2-076C-37F3-1699-FC53A57C5065}"/>
+                <a16:creationId xmlns:a16="http://schemas.microsoft.com/office/drawing/2014/main" id="{8C88DDED-DAB9-3262-D9B4-3B044853BC88}"/>
               </a:ext>
             </a:extLst>
           </p:cNvPr>
@@ -1185,7 +1185,7 @@
           <a:bodyPr/>
           <a:lstStyle/>
           <a:p>
-            <a:fld id="{712F3731-4A84-4A9D-8B97-9579D48385A0}" type="slidenum">
+            <a:fld id="{F125B06E-E96D-45CD-98A6-F8DE3EC1F2E1}" type="slidenum">
               <a:rPr lang="zh-CN" altLang="en-US" smtClean="0"/>
               <a:t>‹#›</a:t>
             </a:fld>
@@ -1196,7 +1196,7 @@
     </p:spTree>
     <p:extLst>
       <p:ext uri="{BB962C8B-B14F-4D97-AF65-F5344CB8AC3E}">
-        <p14:creationId xmlns:p14="http://schemas.microsoft.com/office/powerpoint/2010/main" val="730934452"/>
+        <p14:creationId xmlns:p14="http://schemas.microsoft.com/office/powerpoint/2010/main" val="580088334"/>
       </p:ext>
     </p:extLst>
   </p:cSld>
@@ -1228,7 +1228,7 @@
           <p:cNvPr id="2" name="标题 1">
             <a:extLst>
               <a:ext uri="{FF2B5EF4-FFF2-40B4-BE49-F238E27FC236}">
-                <a16:creationId xmlns:a16="http://schemas.microsoft.com/office/drawing/2014/main" id="{FF3F7EA4-781A-9F1B-D177-87017733937E}"/>
+                <a16:creationId xmlns:a16="http://schemas.microsoft.com/office/drawing/2014/main" id="{A4BF974C-A119-9B7C-7443-4AD55CB0E587}"/>
               </a:ext>
             </a:extLst>
           </p:cNvPr>
@@ -1256,7 +1256,7 @@
           <p:cNvPr id="3" name="内容占位符 2">
             <a:extLst>
               <a:ext uri="{FF2B5EF4-FFF2-40B4-BE49-F238E27FC236}">
-                <a16:creationId xmlns:a16="http://schemas.microsoft.com/office/drawing/2014/main" id="{AB6F657C-58FF-D5C1-0E56-C94A08BD2D39}"/>
+                <a16:creationId xmlns:a16="http://schemas.microsoft.com/office/drawing/2014/main" id="{0478D14B-8EB6-2AA6-5B5F-D9639FC6E740}"/>
               </a:ext>
             </a:extLst>
           </p:cNvPr>
@@ -1318,7 +1318,7 @@
           <p:cNvPr id="4" name="内容占位符 3">
             <a:extLst>
               <a:ext uri="{FF2B5EF4-FFF2-40B4-BE49-F238E27FC236}">
-                <a16:creationId xmlns:a16="http://schemas.microsoft.com/office/drawing/2014/main" id="{87456274-F486-69CA-0DA4-3E0D3C41BAB0}"/>
+                <a16:creationId xmlns:a16="http://schemas.microsoft.com/office/drawing/2014/main" id="{B6A0CB43-7575-9C0A-AC83-3646AED35FF1}"/>
               </a:ext>
             </a:extLst>
           </p:cNvPr>
@@ -1380,7 +1380,7 @@
           <p:cNvPr id="5" name="日期占位符 4">
             <a:extLst>
               <a:ext uri="{FF2B5EF4-FFF2-40B4-BE49-F238E27FC236}">
-                <a16:creationId xmlns:a16="http://schemas.microsoft.com/office/drawing/2014/main" id="{45E1A317-C8F0-6CF5-3166-CF3466F476C4}"/>
+                <a16:creationId xmlns:a16="http://schemas.microsoft.com/office/drawing/2014/main" id="{8F447727-80F7-EAC1-6768-32635834FA37}"/>
               </a:ext>
             </a:extLst>
           </p:cNvPr>
@@ -1396,7 +1396,7 @@
           <a:bodyPr/>
           <a:lstStyle/>
           <a:p>
-            <a:fld id="{8FA860F8-76B7-4D9F-91D6-57F3CE0533EA}" type="datetimeFigureOut">
+            <a:fld id="{1F33F0B7-7744-4A5A-B5D7-6551044A063C}" type="datetimeFigureOut">
               <a:rPr lang="zh-CN" altLang="en-US" smtClean="0"/>
               <a:t>2024/3/10</a:t>
             </a:fld>
@@ -1409,7 +1409,7 @@
           <p:cNvPr id="6" name="页脚占位符 5">
             <a:extLst>
               <a:ext uri="{FF2B5EF4-FFF2-40B4-BE49-F238E27FC236}">
-                <a16:creationId xmlns:a16="http://schemas.microsoft.com/office/drawing/2014/main" id="{3C3D9EB5-E3DC-9120-B397-7E2157C8B510}"/>
+                <a16:creationId xmlns:a16="http://schemas.microsoft.com/office/drawing/2014/main" id="{49EE0E92-1883-F39E-3942-1ABCCE12BC84}"/>
               </a:ext>
             </a:extLst>
           </p:cNvPr>
@@ -1434,7 +1434,7 @@
           <p:cNvPr id="7" name="灯片编号占位符 6">
             <a:extLst>
               <a:ext uri="{FF2B5EF4-FFF2-40B4-BE49-F238E27FC236}">
-                <a16:creationId xmlns:a16="http://schemas.microsoft.com/office/drawing/2014/main" id="{373DEAD1-B645-2159-8537-59C9E838F218}"/>
+                <a16:creationId xmlns:a16="http://schemas.microsoft.com/office/drawing/2014/main" id="{0BC500FA-209E-D229-F9CE-DE86DF2E8F52}"/>
               </a:ext>
             </a:extLst>
           </p:cNvPr>
@@ -1450,7 +1450,7 @@
           <a:bodyPr/>
           <a:lstStyle/>
           <a:p>
-            <a:fld id="{712F3731-4A84-4A9D-8B97-9579D48385A0}" type="slidenum">
+            <a:fld id="{F125B06E-E96D-45CD-98A6-F8DE3EC1F2E1}" type="slidenum">
               <a:rPr lang="zh-CN" altLang="en-US" smtClean="0"/>
               <a:t>‹#›</a:t>
             </a:fld>
@@ -1461,7 +1461,7 @@
     </p:spTree>
     <p:extLst>
       <p:ext uri="{BB962C8B-B14F-4D97-AF65-F5344CB8AC3E}">
-        <p14:creationId xmlns:p14="http://schemas.microsoft.com/office/powerpoint/2010/main" val="972362893"/>
+        <p14:creationId xmlns:p14="http://schemas.microsoft.com/office/powerpoint/2010/main" val="3255969989"/>
       </p:ext>
     </p:extLst>
   </p:cSld>
@@ -1493,7 +1493,7 @@
           <p:cNvPr id="2" name="标题 1">
             <a:extLst>
               <a:ext uri="{FF2B5EF4-FFF2-40B4-BE49-F238E27FC236}">
-                <a16:creationId xmlns:a16="http://schemas.microsoft.com/office/drawing/2014/main" id="{D06CD643-950F-5755-4712-58BA9AA702E1}"/>
+                <a16:creationId xmlns:a16="http://schemas.microsoft.com/office/drawing/2014/main" id="{E0E705C6-C059-4D1F-358E-FE5E86B6C7B2}"/>
               </a:ext>
             </a:extLst>
           </p:cNvPr>
@@ -1526,7 +1526,7 @@
           <p:cNvPr id="3" name="文本占位符 2">
             <a:extLst>
               <a:ext uri="{FF2B5EF4-FFF2-40B4-BE49-F238E27FC236}">
-                <a16:creationId xmlns:a16="http://schemas.microsoft.com/office/drawing/2014/main" id="{0D4C6877-317A-D969-A494-633B73CB9739}"/>
+                <a16:creationId xmlns:a16="http://schemas.microsoft.com/office/drawing/2014/main" id="{61BA6BAF-2499-9FF9-3C24-2D5A412F1F1C}"/>
               </a:ext>
             </a:extLst>
           </p:cNvPr>
@@ -1597,7 +1597,7 @@
           <p:cNvPr id="4" name="内容占位符 3">
             <a:extLst>
               <a:ext uri="{FF2B5EF4-FFF2-40B4-BE49-F238E27FC236}">
-                <a16:creationId xmlns:a16="http://schemas.microsoft.com/office/drawing/2014/main" id="{7D4840FF-4170-43FA-A169-31896154EAEF}"/>
+                <a16:creationId xmlns:a16="http://schemas.microsoft.com/office/drawing/2014/main" id="{77794A3B-FE6A-856F-30A9-7CE376638990}"/>
               </a:ext>
             </a:extLst>
           </p:cNvPr>
@@ -1659,7 +1659,7 @@
           <p:cNvPr id="5" name="文本占位符 4">
             <a:extLst>
               <a:ext uri="{FF2B5EF4-FFF2-40B4-BE49-F238E27FC236}">
-                <a16:creationId xmlns:a16="http://schemas.microsoft.com/office/drawing/2014/main" id="{BD39736D-DB8F-07F1-2E32-0B67200DCA38}"/>
+                <a16:creationId xmlns:a16="http://schemas.microsoft.com/office/drawing/2014/main" id="{4F638A35-394F-DA74-F27F-D65D59A5CFA3}"/>
               </a:ext>
             </a:extLst>
           </p:cNvPr>
@@ -1730,7 +1730,7 @@
           <p:cNvPr id="6" name="内容占位符 5">
             <a:extLst>
               <a:ext uri="{FF2B5EF4-FFF2-40B4-BE49-F238E27FC236}">
-                <a16:creationId xmlns:a16="http://schemas.microsoft.com/office/drawing/2014/main" id="{0A4C58AD-C6AD-DA53-4210-E1C9202AD800}"/>
+                <a16:creationId xmlns:a16="http://schemas.microsoft.com/office/drawing/2014/main" id="{A3E28113-3CEF-96D0-8D6E-EACFF3BA65A7}"/>
               </a:ext>
             </a:extLst>
           </p:cNvPr>
@@ -1792,7 +1792,7 @@
           <p:cNvPr id="7" name="日期占位符 6">
             <a:extLst>
               <a:ext uri="{FF2B5EF4-FFF2-40B4-BE49-F238E27FC236}">
-                <a16:creationId xmlns:a16="http://schemas.microsoft.com/office/drawing/2014/main" id="{29A004D3-F548-5004-9D18-45CD96062CBD}"/>
+                <a16:creationId xmlns:a16="http://schemas.microsoft.com/office/drawing/2014/main" id="{47561B1D-4E64-BB8A-CFAD-682C87ED0220}"/>
               </a:ext>
             </a:extLst>
           </p:cNvPr>
@@ -1808,7 +1808,7 @@
           <a:bodyPr/>
           <a:lstStyle/>
           <a:p>
-            <a:fld id="{8FA860F8-76B7-4D9F-91D6-57F3CE0533EA}" type="datetimeFigureOut">
+            <a:fld id="{1F33F0B7-7744-4A5A-B5D7-6551044A063C}" type="datetimeFigureOut">
               <a:rPr lang="zh-CN" altLang="en-US" smtClean="0"/>
               <a:t>2024/3/10</a:t>
             </a:fld>
@@ -1821,7 +1821,7 @@
           <p:cNvPr id="8" name="页脚占位符 7">
             <a:extLst>
               <a:ext uri="{FF2B5EF4-FFF2-40B4-BE49-F238E27FC236}">
-                <a16:creationId xmlns:a16="http://schemas.microsoft.com/office/drawing/2014/main" id="{988CC6AE-3B7E-AA4C-0371-0B68C51D4611}"/>
+                <a16:creationId xmlns:a16="http://schemas.microsoft.com/office/drawing/2014/main" id="{AAB99FB7-C508-45B7-3A01-728245606492}"/>
               </a:ext>
             </a:extLst>
           </p:cNvPr>
@@ -1846,7 +1846,7 @@
           <p:cNvPr id="9" name="灯片编号占位符 8">
             <a:extLst>
               <a:ext uri="{FF2B5EF4-FFF2-40B4-BE49-F238E27FC236}">
-                <a16:creationId xmlns:a16="http://schemas.microsoft.com/office/drawing/2014/main" id="{73AC5DCA-F8D6-EF50-2E86-8183E92628A0}"/>
+                <a16:creationId xmlns:a16="http://schemas.microsoft.com/office/drawing/2014/main" id="{58AD65E6-11AF-8D52-14D1-CA2606AB3D95}"/>
               </a:ext>
             </a:extLst>
           </p:cNvPr>
@@ -1862,7 +1862,7 @@
           <a:bodyPr/>
           <a:lstStyle/>
           <a:p>
-            <a:fld id="{712F3731-4A84-4A9D-8B97-9579D48385A0}" type="slidenum">
+            <a:fld id="{F125B06E-E96D-45CD-98A6-F8DE3EC1F2E1}" type="slidenum">
               <a:rPr lang="zh-CN" altLang="en-US" smtClean="0"/>
               <a:t>‹#›</a:t>
             </a:fld>
@@ -1873,7 +1873,7 @@
     </p:spTree>
     <p:extLst>
       <p:ext uri="{BB962C8B-B14F-4D97-AF65-F5344CB8AC3E}">
-        <p14:creationId xmlns:p14="http://schemas.microsoft.com/office/powerpoint/2010/main" val="3642803482"/>
+        <p14:creationId xmlns:p14="http://schemas.microsoft.com/office/powerpoint/2010/main" val="855599573"/>
       </p:ext>
     </p:extLst>
   </p:cSld>
@@ -1905,7 +1905,7 @@
           <p:cNvPr id="2" name="标题 1">
             <a:extLst>
               <a:ext uri="{FF2B5EF4-FFF2-40B4-BE49-F238E27FC236}">
-                <a16:creationId xmlns:a16="http://schemas.microsoft.com/office/drawing/2014/main" id="{145972C7-8DCF-73B6-E4AD-80AC297CA15C}"/>
+                <a16:creationId xmlns:a16="http://schemas.microsoft.com/office/drawing/2014/main" id="{9ED0D1BE-2D20-BC9B-B91F-C7A450D1DDF7}"/>
               </a:ext>
             </a:extLst>
           </p:cNvPr>
@@ -1933,7 +1933,7 @@
           <p:cNvPr id="3" name="日期占位符 2">
             <a:extLst>
               <a:ext uri="{FF2B5EF4-FFF2-40B4-BE49-F238E27FC236}">
-                <a16:creationId xmlns:a16="http://schemas.microsoft.com/office/drawing/2014/main" id="{DA1537F3-3A78-D089-4261-08C3ED6493BA}"/>
+                <a16:creationId xmlns:a16="http://schemas.microsoft.com/office/drawing/2014/main" id="{E5FCA557-E5A8-5BC5-E7AB-03269079C45E}"/>
               </a:ext>
             </a:extLst>
           </p:cNvPr>
@@ -1949,7 +1949,7 @@
           <a:bodyPr/>
           <a:lstStyle/>
           <a:p>
-            <a:fld id="{8FA860F8-76B7-4D9F-91D6-57F3CE0533EA}" type="datetimeFigureOut">
+            <a:fld id="{1F33F0B7-7744-4A5A-B5D7-6551044A063C}" type="datetimeFigureOut">
               <a:rPr lang="zh-CN" altLang="en-US" smtClean="0"/>
               <a:t>2024/3/10</a:t>
             </a:fld>
@@ -1962,7 +1962,7 @@
           <p:cNvPr id="4" name="页脚占位符 3">
             <a:extLst>
               <a:ext uri="{FF2B5EF4-FFF2-40B4-BE49-F238E27FC236}">
-                <a16:creationId xmlns:a16="http://schemas.microsoft.com/office/drawing/2014/main" id="{F382B248-FF99-D2F9-E844-FF114C8AB1E3}"/>
+                <a16:creationId xmlns:a16="http://schemas.microsoft.com/office/drawing/2014/main" id="{88BF1D61-B43C-F625-CA75-BA3255BAAA2C}"/>
               </a:ext>
             </a:extLst>
           </p:cNvPr>
@@ -1987,7 +1987,7 @@
           <p:cNvPr id="5" name="灯片编号占位符 4">
             <a:extLst>
               <a:ext uri="{FF2B5EF4-FFF2-40B4-BE49-F238E27FC236}">
-                <a16:creationId xmlns:a16="http://schemas.microsoft.com/office/drawing/2014/main" id="{E1814851-7543-55FB-2F39-B45D67943908}"/>
+                <a16:creationId xmlns:a16="http://schemas.microsoft.com/office/drawing/2014/main" id="{53B454C4-44A0-DDF3-2EFC-974CCDDA2199}"/>
               </a:ext>
             </a:extLst>
           </p:cNvPr>
@@ -2003,7 +2003,7 @@
           <a:bodyPr/>
           <a:lstStyle/>
           <a:p>
-            <a:fld id="{712F3731-4A84-4A9D-8B97-9579D48385A0}" type="slidenum">
+            <a:fld id="{F125B06E-E96D-45CD-98A6-F8DE3EC1F2E1}" type="slidenum">
               <a:rPr lang="zh-CN" altLang="en-US" smtClean="0"/>
               <a:t>‹#›</a:t>
             </a:fld>
@@ -2014,7 +2014,7 @@
     </p:spTree>
     <p:extLst>
       <p:ext uri="{BB962C8B-B14F-4D97-AF65-F5344CB8AC3E}">
-        <p14:creationId xmlns:p14="http://schemas.microsoft.com/office/powerpoint/2010/main" val="1514457029"/>
+        <p14:creationId xmlns:p14="http://schemas.microsoft.com/office/powerpoint/2010/main" val="1200507044"/>
       </p:ext>
     </p:extLst>
   </p:cSld>
@@ -2046,7 +2046,7 @@
           <p:cNvPr id="2" name="日期占位符 1">
             <a:extLst>
               <a:ext uri="{FF2B5EF4-FFF2-40B4-BE49-F238E27FC236}">
-                <a16:creationId xmlns:a16="http://schemas.microsoft.com/office/drawing/2014/main" id="{DC1746CF-3B03-985A-11A6-0E81B981AAE3}"/>
+                <a16:creationId xmlns:a16="http://schemas.microsoft.com/office/drawing/2014/main" id="{386064CC-D9B9-8DF0-2ED5-0F342F5BF4FB}"/>
               </a:ext>
             </a:extLst>
           </p:cNvPr>
@@ -2062,7 +2062,7 @@
           <a:bodyPr/>
           <a:lstStyle/>
           <a:p>
-            <a:fld id="{8FA860F8-76B7-4D9F-91D6-57F3CE0533EA}" type="datetimeFigureOut">
+            <a:fld id="{1F33F0B7-7744-4A5A-B5D7-6551044A063C}" type="datetimeFigureOut">
               <a:rPr lang="zh-CN" altLang="en-US" smtClean="0"/>
               <a:t>2024/3/10</a:t>
             </a:fld>
@@ -2075,7 +2075,7 @@
           <p:cNvPr id="3" name="页脚占位符 2">
             <a:extLst>
               <a:ext uri="{FF2B5EF4-FFF2-40B4-BE49-F238E27FC236}">
-                <a16:creationId xmlns:a16="http://schemas.microsoft.com/office/drawing/2014/main" id="{15C4012F-65DC-319D-102C-0503B3FEF82B}"/>
+                <a16:creationId xmlns:a16="http://schemas.microsoft.com/office/drawing/2014/main" id="{E4E4983F-25DE-F665-14D3-05DBE388DE51}"/>
               </a:ext>
             </a:extLst>
           </p:cNvPr>
@@ -2100,7 +2100,7 @@
           <p:cNvPr id="4" name="灯片编号占位符 3">
             <a:extLst>
               <a:ext uri="{FF2B5EF4-FFF2-40B4-BE49-F238E27FC236}">
-                <a16:creationId xmlns:a16="http://schemas.microsoft.com/office/drawing/2014/main" id="{9F49FB4F-4BFB-C25D-6F3A-DAF5FDE3302C}"/>
+                <a16:creationId xmlns:a16="http://schemas.microsoft.com/office/drawing/2014/main" id="{6B08CC0D-B278-850B-FAB7-8B8377FA3813}"/>
               </a:ext>
             </a:extLst>
           </p:cNvPr>
@@ -2116,7 +2116,7 @@
           <a:bodyPr/>
           <a:lstStyle/>
           <a:p>
-            <a:fld id="{712F3731-4A84-4A9D-8B97-9579D48385A0}" type="slidenum">
+            <a:fld id="{F125B06E-E96D-45CD-98A6-F8DE3EC1F2E1}" type="slidenum">
               <a:rPr lang="zh-CN" altLang="en-US" smtClean="0"/>
               <a:t>‹#›</a:t>
             </a:fld>
@@ -2127,7 +2127,7 @@
     </p:spTree>
     <p:extLst>
       <p:ext uri="{BB962C8B-B14F-4D97-AF65-F5344CB8AC3E}">
-        <p14:creationId xmlns:p14="http://schemas.microsoft.com/office/powerpoint/2010/main" val="513851122"/>
+        <p14:creationId xmlns:p14="http://schemas.microsoft.com/office/powerpoint/2010/main" val="2908099051"/>
       </p:ext>
     </p:extLst>
   </p:cSld>
@@ -2159,7 +2159,7 @@
           <p:cNvPr id="2" name="标题 1">
             <a:extLst>
               <a:ext uri="{FF2B5EF4-FFF2-40B4-BE49-F238E27FC236}">
-                <a16:creationId xmlns:a16="http://schemas.microsoft.com/office/drawing/2014/main" id="{D2805F28-C17D-463A-7688-E067F699D833}"/>
+                <a16:creationId xmlns:a16="http://schemas.microsoft.com/office/drawing/2014/main" id="{09AC9D09-A84C-68C4-8861-B7F82E5CE249}"/>
               </a:ext>
             </a:extLst>
           </p:cNvPr>
@@ -2196,7 +2196,7 @@
           <p:cNvPr id="3" name="内容占位符 2">
             <a:extLst>
               <a:ext uri="{FF2B5EF4-FFF2-40B4-BE49-F238E27FC236}">
-                <a16:creationId xmlns:a16="http://schemas.microsoft.com/office/drawing/2014/main" id="{B23EF65C-CB10-FA07-3224-EF3FD3DA74B7}"/>
+                <a16:creationId xmlns:a16="http://schemas.microsoft.com/office/drawing/2014/main" id="{911460CB-412B-FA1B-74AD-E6A6B66C8C54}"/>
               </a:ext>
             </a:extLst>
           </p:cNvPr>
@@ -2286,7 +2286,7 @@
           <p:cNvPr id="4" name="文本占位符 3">
             <a:extLst>
               <a:ext uri="{FF2B5EF4-FFF2-40B4-BE49-F238E27FC236}">
-                <a16:creationId xmlns:a16="http://schemas.microsoft.com/office/drawing/2014/main" id="{69EFE743-0203-5E9D-BCAE-8FA97B0132AC}"/>
+                <a16:creationId xmlns:a16="http://schemas.microsoft.com/office/drawing/2014/main" id="{887E31ED-B12C-4BBD-6B99-782C03106B81}"/>
               </a:ext>
             </a:extLst>
           </p:cNvPr>
@@ -2357,7 +2357,7 @@
           <p:cNvPr id="5" name="日期占位符 4">
             <a:extLst>
               <a:ext uri="{FF2B5EF4-FFF2-40B4-BE49-F238E27FC236}">
-                <a16:creationId xmlns:a16="http://schemas.microsoft.com/office/drawing/2014/main" id="{EC8B57F1-95E0-D7BC-01B0-B7675FF5A4AF}"/>
+                <a16:creationId xmlns:a16="http://schemas.microsoft.com/office/drawing/2014/main" id="{E4FEC222-21E4-D809-246D-163AA9A6A550}"/>
               </a:ext>
             </a:extLst>
           </p:cNvPr>
@@ -2373,7 +2373,7 @@
           <a:bodyPr/>
           <a:lstStyle/>
           <a:p>
-            <a:fld id="{8FA860F8-76B7-4D9F-91D6-57F3CE0533EA}" type="datetimeFigureOut">
+            <a:fld id="{1F33F0B7-7744-4A5A-B5D7-6551044A063C}" type="datetimeFigureOut">
               <a:rPr lang="zh-CN" altLang="en-US" smtClean="0"/>
               <a:t>2024/3/10</a:t>
             </a:fld>
@@ -2386,7 +2386,7 @@
           <p:cNvPr id="6" name="页脚占位符 5">
             <a:extLst>
               <a:ext uri="{FF2B5EF4-FFF2-40B4-BE49-F238E27FC236}">
-                <a16:creationId xmlns:a16="http://schemas.microsoft.com/office/drawing/2014/main" id="{A9E462A7-3601-4E16-AA3D-921806B5BC0B}"/>
+                <a16:creationId xmlns:a16="http://schemas.microsoft.com/office/drawing/2014/main" id="{E74F67FD-93DE-8908-8B59-8D1FB507972C}"/>
               </a:ext>
             </a:extLst>
           </p:cNvPr>
@@ -2411,7 +2411,7 @@
           <p:cNvPr id="7" name="灯片编号占位符 6">
             <a:extLst>
               <a:ext uri="{FF2B5EF4-FFF2-40B4-BE49-F238E27FC236}">
-                <a16:creationId xmlns:a16="http://schemas.microsoft.com/office/drawing/2014/main" id="{4033907B-AAA6-65E5-6145-35447A976942}"/>
+                <a16:creationId xmlns:a16="http://schemas.microsoft.com/office/drawing/2014/main" id="{5E02CF71-6565-F423-6B4E-BB639F2FDDBD}"/>
               </a:ext>
             </a:extLst>
           </p:cNvPr>
@@ -2427,7 +2427,7 @@
           <a:bodyPr/>
           <a:lstStyle/>
           <a:p>
-            <a:fld id="{712F3731-4A84-4A9D-8B97-9579D48385A0}" type="slidenum">
+            <a:fld id="{F125B06E-E96D-45CD-98A6-F8DE3EC1F2E1}" type="slidenum">
               <a:rPr lang="zh-CN" altLang="en-US" smtClean="0"/>
               <a:t>‹#›</a:t>
             </a:fld>
@@ -2438,7 +2438,7 @@
     </p:spTree>
     <p:extLst>
       <p:ext uri="{BB962C8B-B14F-4D97-AF65-F5344CB8AC3E}">
-        <p14:creationId xmlns:p14="http://schemas.microsoft.com/office/powerpoint/2010/main" val="1261202078"/>
+        <p14:creationId xmlns:p14="http://schemas.microsoft.com/office/powerpoint/2010/main" val="1780738808"/>
       </p:ext>
     </p:extLst>
   </p:cSld>
@@ -2470,7 +2470,7 @@
           <p:cNvPr id="2" name="标题 1">
             <a:extLst>
               <a:ext uri="{FF2B5EF4-FFF2-40B4-BE49-F238E27FC236}">
-                <a16:creationId xmlns:a16="http://schemas.microsoft.com/office/drawing/2014/main" id="{010BAD55-4405-2795-83CE-13E127780B04}"/>
+                <a16:creationId xmlns:a16="http://schemas.microsoft.com/office/drawing/2014/main" id="{A55CC9A7-388D-735A-7956-4D3778A7034A}"/>
               </a:ext>
             </a:extLst>
           </p:cNvPr>
@@ -2507,7 +2507,7 @@
           <p:cNvPr id="3" name="图片占位符 2">
             <a:extLst>
               <a:ext uri="{FF2B5EF4-FFF2-40B4-BE49-F238E27FC236}">
-                <a16:creationId xmlns:a16="http://schemas.microsoft.com/office/drawing/2014/main" id="{AFED3EF8-111C-A291-9D9B-4FC61A2FD032}"/>
+                <a16:creationId xmlns:a16="http://schemas.microsoft.com/office/drawing/2014/main" id="{ADF6001D-BB09-363C-D3F5-66E186A1F754}"/>
               </a:ext>
             </a:extLst>
           </p:cNvPr>
@@ -2574,7 +2574,7 @@
           <p:cNvPr id="4" name="文本占位符 3">
             <a:extLst>
               <a:ext uri="{FF2B5EF4-FFF2-40B4-BE49-F238E27FC236}">
-                <a16:creationId xmlns:a16="http://schemas.microsoft.com/office/drawing/2014/main" id="{327C5DC0-A86D-DAD7-70C2-0A79BFE2247A}"/>
+                <a16:creationId xmlns:a16="http://schemas.microsoft.com/office/drawing/2014/main" id="{C40292CB-A549-6115-0E83-5D13F60AFB0A}"/>
               </a:ext>
             </a:extLst>
           </p:cNvPr>
@@ -2645,7 +2645,7 @@
           <p:cNvPr id="5" name="日期占位符 4">
             <a:extLst>
               <a:ext uri="{FF2B5EF4-FFF2-40B4-BE49-F238E27FC236}">
-                <a16:creationId xmlns:a16="http://schemas.microsoft.com/office/drawing/2014/main" id="{23EE7EF2-B27C-B149-F719-30127D049861}"/>
+                <a16:creationId xmlns:a16="http://schemas.microsoft.com/office/drawing/2014/main" id="{2C4A13F0-365E-E9B5-A730-903BA3BF7230}"/>
               </a:ext>
             </a:extLst>
           </p:cNvPr>
@@ -2661,7 +2661,7 @@
           <a:bodyPr/>
           <a:lstStyle/>
           <a:p>
-            <a:fld id="{8FA860F8-76B7-4D9F-91D6-57F3CE0533EA}" type="datetimeFigureOut">
+            <a:fld id="{1F33F0B7-7744-4A5A-B5D7-6551044A063C}" type="datetimeFigureOut">
               <a:rPr lang="zh-CN" altLang="en-US" smtClean="0"/>
               <a:t>2024/3/10</a:t>
             </a:fld>
@@ -2674,7 +2674,7 @@
           <p:cNvPr id="6" name="页脚占位符 5">
             <a:extLst>
               <a:ext uri="{FF2B5EF4-FFF2-40B4-BE49-F238E27FC236}">
-                <a16:creationId xmlns:a16="http://schemas.microsoft.com/office/drawing/2014/main" id="{9FC787F0-CBCE-4D7E-1318-8D8C47BFEA2B}"/>
+                <a16:creationId xmlns:a16="http://schemas.microsoft.com/office/drawing/2014/main" id="{6A40C734-AC42-9B74-A038-76C74B8D1BFB}"/>
               </a:ext>
             </a:extLst>
           </p:cNvPr>
@@ -2699,7 +2699,7 @@
           <p:cNvPr id="7" name="灯片编号占位符 6">
             <a:extLst>
               <a:ext uri="{FF2B5EF4-FFF2-40B4-BE49-F238E27FC236}">
-                <a16:creationId xmlns:a16="http://schemas.microsoft.com/office/drawing/2014/main" id="{E6F6F479-2DF8-43AA-8EA8-6F7A8779CF08}"/>
+                <a16:creationId xmlns:a16="http://schemas.microsoft.com/office/drawing/2014/main" id="{39BAA729-FDFC-C036-3FFE-DDC3CAC84342}"/>
               </a:ext>
             </a:extLst>
           </p:cNvPr>
@@ -2715,7 +2715,7 @@
           <a:bodyPr/>
           <a:lstStyle/>
           <a:p>
-            <a:fld id="{712F3731-4A84-4A9D-8B97-9579D48385A0}" type="slidenum">
+            <a:fld id="{F125B06E-E96D-45CD-98A6-F8DE3EC1F2E1}" type="slidenum">
               <a:rPr lang="zh-CN" altLang="en-US" smtClean="0"/>
               <a:t>‹#›</a:t>
             </a:fld>
@@ -2726,7 +2726,7 @@
     </p:spTree>
     <p:extLst>
       <p:ext uri="{BB962C8B-B14F-4D97-AF65-F5344CB8AC3E}">
-        <p14:creationId xmlns:p14="http://schemas.microsoft.com/office/powerpoint/2010/main" val="3273916941"/>
+        <p14:creationId xmlns:p14="http://schemas.microsoft.com/office/powerpoint/2010/main" val="1825703783"/>
       </p:ext>
     </p:extLst>
   </p:cSld>
@@ -2763,7 +2763,7 @@
           <p:cNvPr id="2" name="标题占位符 1">
             <a:extLst>
               <a:ext uri="{FF2B5EF4-FFF2-40B4-BE49-F238E27FC236}">
-                <a16:creationId xmlns:a16="http://schemas.microsoft.com/office/drawing/2014/main" id="{ED3E36E5-1901-A8A2-4FB3-7479A3421F55}"/>
+                <a16:creationId xmlns:a16="http://schemas.microsoft.com/office/drawing/2014/main" id="{71CFF326-6BD8-0458-03DB-3C0377F32430}"/>
               </a:ext>
             </a:extLst>
           </p:cNvPr>
@@ -2801,7 +2801,7 @@
           <p:cNvPr id="3" name="文本占位符 2">
             <a:extLst>
               <a:ext uri="{FF2B5EF4-FFF2-40B4-BE49-F238E27FC236}">
-                <a16:creationId xmlns:a16="http://schemas.microsoft.com/office/drawing/2014/main" id="{8AB4BE8C-6701-70B2-26AF-47A529A06455}"/>
+                <a16:creationId xmlns:a16="http://schemas.microsoft.com/office/drawing/2014/main" id="{517656BC-86E5-EEB2-71A6-C7239EAA7104}"/>
               </a:ext>
             </a:extLst>
           </p:cNvPr>
@@ -2868,7 +2868,7 @@
           <p:cNvPr id="4" name="日期占位符 3">
             <a:extLst>
               <a:ext uri="{FF2B5EF4-FFF2-40B4-BE49-F238E27FC236}">
-                <a16:creationId xmlns:a16="http://schemas.microsoft.com/office/drawing/2014/main" id="{1731FDDF-CD3F-6D7F-9CEE-58DC49D06B6A}"/>
+                <a16:creationId xmlns:a16="http://schemas.microsoft.com/office/drawing/2014/main" id="{5E2A7D4B-4A9C-8B58-7AAC-1F27B2192CD4}"/>
               </a:ext>
             </a:extLst>
           </p:cNvPr>
@@ -2902,7 +2902,7 @@
             </a:lvl1pPr>
           </a:lstStyle>
           <a:p>
-            <a:fld id="{8FA860F8-76B7-4D9F-91D6-57F3CE0533EA}" type="datetimeFigureOut">
+            <a:fld id="{1F33F0B7-7744-4A5A-B5D7-6551044A063C}" type="datetimeFigureOut">
               <a:rPr lang="zh-CN" altLang="en-US" smtClean="0"/>
               <a:t>2024/3/10</a:t>
             </a:fld>
@@ -2915,7 +2915,7 @@
           <p:cNvPr id="5" name="页脚占位符 4">
             <a:extLst>
               <a:ext uri="{FF2B5EF4-FFF2-40B4-BE49-F238E27FC236}">
-                <a16:creationId xmlns:a16="http://schemas.microsoft.com/office/drawing/2014/main" id="{26F125A5-8BCF-2EDC-4E33-60DEC799C515}"/>
+                <a16:creationId xmlns:a16="http://schemas.microsoft.com/office/drawing/2014/main" id="{219169AF-84C9-EC39-2F9F-240E69A27F27}"/>
               </a:ext>
             </a:extLst>
           </p:cNvPr>
@@ -2958,7 +2958,7 @@
           <p:cNvPr id="6" name="灯片编号占位符 5">
             <a:extLst>
               <a:ext uri="{FF2B5EF4-FFF2-40B4-BE49-F238E27FC236}">
-                <a16:creationId xmlns:a16="http://schemas.microsoft.com/office/drawing/2014/main" id="{8F79A17D-3564-146C-9E2F-60B488D628BB}"/>
+                <a16:creationId xmlns:a16="http://schemas.microsoft.com/office/drawing/2014/main" id="{85467615-7572-686C-6301-88E73398655B}"/>
               </a:ext>
             </a:extLst>
           </p:cNvPr>
@@ -2992,7 +2992,7 @@
             </a:lvl1pPr>
           </a:lstStyle>
           <a:p>
-            <a:fld id="{712F3731-4A84-4A9D-8B97-9579D48385A0}" type="slidenum">
+            <a:fld id="{F125B06E-E96D-45CD-98A6-F8DE3EC1F2E1}" type="slidenum">
               <a:rPr lang="zh-CN" altLang="en-US" smtClean="0"/>
               <a:t>‹#›</a:t>
             </a:fld>
@@ -3003,7 +3003,7 @@
     </p:spTree>
     <p:extLst>
       <p:ext uri="{BB962C8B-B14F-4D97-AF65-F5344CB8AC3E}">
-        <p14:creationId xmlns:p14="http://schemas.microsoft.com/office/powerpoint/2010/main" val="2312675364"/>
+        <p14:creationId xmlns:p14="http://schemas.microsoft.com/office/powerpoint/2010/main" val="3631954575"/>
       </p:ext>
     </p:extLst>
   </p:cSld>
